--- a/算法竞赛ppt/002_排序算法.pptx
+++ b/算法竞赛ppt/002_排序算法.pptx
@@ -5,14 +5,15 @@
     <p:sldMasterId id="2147483648" r:id="rId1"/>
   </p:sldMasterIdLst>
   <p:sldIdLst>
-    <p:sldId id="256" r:id="rId2"/>
-    <p:sldId id="257" r:id="rId3"/>
-    <p:sldId id="258" r:id="rId4"/>
-    <p:sldId id="259" r:id="rId5"/>
-    <p:sldId id="260" r:id="rId6"/>
-    <p:sldId id="261" r:id="rId7"/>
-    <p:sldId id="262" r:id="rId8"/>
-    <p:sldId id="263" r:id="rId9"/>
+    <p:sldId id="256" r:id="rId3"/>
+    <p:sldId id="257" r:id="rId4"/>
+    <p:sldId id="258" r:id="rId5"/>
+    <p:sldId id="259" r:id="rId6"/>
+    <p:sldId id="260" r:id="rId7"/>
+    <p:sldId id="261" r:id="rId8"/>
+    <p:sldId id="262" r:id="rId9"/>
+    <p:sldId id="264" r:id="rId10"/>
+    <p:sldId id="263" r:id="rId11"/>
   </p:sldIdLst>
   <p:sldSz cx="12192000" cy="6858000"/>
   <p:notesSz cx="6858000" cy="9144000"/>
@@ -111,11 +112,6 @@
       </a:defRPr>
     </a:lvl9pPr>
   </p:defaultTextStyle>
-  <p:extLst>
-    <p:ext uri="{EFAFB233-063F-42B5-8137-9DF3F51BA10A}">
-      <p15:sldGuideLst xmlns:p15="http://schemas.microsoft.com/office/powerpoint/2012/main"/>
-    </p:ext>
-  </p:extLst>
 </p:presentation>
 </file>
 
@@ -164,6 +160,7 @@
               <a:rPr lang="zh-CN" altLang="en-US"/>
               <a:t>单击此处编辑母版标题样式</a:t>
             </a:r>
+            <a:endParaRPr lang="zh-CN" altLang="en-US"/>
           </a:p>
         </p:txBody>
       </p:sp>
@@ -228,6 +225,7 @@
               <a:rPr lang="zh-CN" altLang="en-US"/>
               <a:t>单击此处编辑母版副标题样式</a:t>
             </a:r>
+            <a:endParaRPr lang="zh-CN" altLang="en-US"/>
           </a:p>
         </p:txBody>
       </p:sp>
@@ -248,7 +246,6 @@
           <a:p>
             <a:fld id="{185C90CD-8BCE-499A-9A82-CBD8DF79CB37}" type="datetimeFigureOut">
               <a:rPr lang="zh-CN" altLang="en-US" smtClean="0"/>
-              <a:t>2025/6/27</a:t>
             </a:fld>
             <a:endParaRPr lang="zh-CN" altLang="en-US"/>
           </a:p>
@@ -290,7 +287,6 @@
           <a:p>
             <a:fld id="{A90E3E4D-4E89-4EA1-9E4F-8FCD46C7D22B}" type="slidenum">
               <a:rPr lang="zh-CN" altLang="en-US" smtClean="0"/>
-              <a:t>‹#›</a:t>
             </a:fld>
             <a:endParaRPr lang="zh-CN" altLang="en-US"/>
           </a:p>
@@ -340,6 +336,7 @@
               <a:rPr lang="zh-CN" altLang="en-US"/>
               <a:t>单击此处编辑母版标题样式</a:t>
             </a:r>
+            <a:endParaRPr lang="zh-CN" altLang="en-US"/>
           </a:p>
         </p:txBody>
       </p:sp>
@@ -363,6 +360,7 @@
               <a:rPr lang="zh-CN" altLang="en-US"/>
               <a:t>单击此处编辑母版文本样式</a:t>
             </a:r>
+            <a:endParaRPr lang="zh-CN" altLang="en-US"/>
           </a:p>
           <a:p>
             <a:pPr lvl="1"/>
@@ -370,6 +368,7 @@
               <a:rPr lang="zh-CN" altLang="en-US"/>
               <a:t>二级</a:t>
             </a:r>
+            <a:endParaRPr lang="zh-CN" altLang="en-US"/>
           </a:p>
           <a:p>
             <a:pPr lvl="2"/>
@@ -377,6 +376,7 @@
               <a:rPr lang="zh-CN" altLang="en-US"/>
               <a:t>三级</a:t>
             </a:r>
+            <a:endParaRPr lang="zh-CN" altLang="en-US"/>
           </a:p>
           <a:p>
             <a:pPr lvl="3"/>
@@ -384,6 +384,7 @@
               <a:rPr lang="zh-CN" altLang="en-US"/>
               <a:t>四级</a:t>
             </a:r>
+            <a:endParaRPr lang="zh-CN" altLang="en-US"/>
           </a:p>
           <a:p>
             <a:pPr lvl="4"/>
@@ -391,6 +392,7 @@
               <a:rPr lang="zh-CN" altLang="en-US"/>
               <a:t>五级</a:t>
             </a:r>
+            <a:endParaRPr lang="zh-CN" altLang="en-US"/>
           </a:p>
         </p:txBody>
       </p:sp>
@@ -411,7 +413,6 @@
           <a:p>
             <a:fld id="{185C90CD-8BCE-499A-9A82-CBD8DF79CB37}" type="datetimeFigureOut">
               <a:rPr lang="zh-CN" altLang="en-US" smtClean="0"/>
-              <a:t>2025/6/27</a:t>
             </a:fld>
             <a:endParaRPr lang="zh-CN" altLang="en-US"/>
           </a:p>
@@ -453,7 +454,6 @@
           <a:p>
             <a:fld id="{A90E3E4D-4E89-4EA1-9E4F-8FCD46C7D22B}" type="slidenum">
               <a:rPr lang="zh-CN" altLang="en-US" smtClean="0"/>
-              <a:t>‹#›</a:t>
             </a:fld>
             <a:endParaRPr lang="zh-CN" altLang="en-US"/>
           </a:p>
@@ -508,6 +508,7 @@
               <a:rPr lang="zh-CN" altLang="en-US"/>
               <a:t>单击此处编辑母版标题样式</a:t>
             </a:r>
+            <a:endParaRPr lang="zh-CN" altLang="en-US"/>
           </a:p>
         </p:txBody>
       </p:sp>
@@ -536,6 +537,7 @@
               <a:rPr lang="zh-CN" altLang="en-US"/>
               <a:t>单击此处编辑母版文本样式</a:t>
             </a:r>
+            <a:endParaRPr lang="zh-CN" altLang="en-US"/>
           </a:p>
           <a:p>
             <a:pPr lvl="1"/>
@@ -543,6 +545,7 @@
               <a:rPr lang="zh-CN" altLang="en-US"/>
               <a:t>二级</a:t>
             </a:r>
+            <a:endParaRPr lang="zh-CN" altLang="en-US"/>
           </a:p>
           <a:p>
             <a:pPr lvl="2"/>
@@ -550,6 +553,7 @@
               <a:rPr lang="zh-CN" altLang="en-US"/>
               <a:t>三级</a:t>
             </a:r>
+            <a:endParaRPr lang="zh-CN" altLang="en-US"/>
           </a:p>
           <a:p>
             <a:pPr lvl="3"/>
@@ -557,6 +561,7 @@
               <a:rPr lang="zh-CN" altLang="en-US"/>
               <a:t>四级</a:t>
             </a:r>
+            <a:endParaRPr lang="zh-CN" altLang="en-US"/>
           </a:p>
           <a:p>
             <a:pPr lvl="4"/>
@@ -564,6 +569,7 @@
               <a:rPr lang="zh-CN" altLang="en-US"/>
               <a:t>五级</a:t>
             </a:r>
+            <a:endParaRPr lang="zh-CN" altLang="en-US"/>
           </a:p>
         </p:txBody>
       </p:sp>
@@ -584,7 +590,6 @@
           <a:p>
             <a:fld id="{185C90CD-8BCE-499A-9A82-CBD8DF79CB37}" type="datetimeFigureOut">
               <a:rPr lang="zh-CN" altLang="en-US" smtClean="0"/>
-              <a:t>2025/6/27</a:t>
             </a:fld>
             <a:endParaRPr lang="zh-CN" altLang="en-US"/>
           </a:p>
@@ -626,7 +631,6 @@
           <a:p>
             <a:fld id="{A90E3E4D-4E89-4EA1-9E4F-8FCD46C7D22B}" type="slidenum">
               <a:rPr lang="zh-CN" altLang="en-US" smtClean="0"/>
-              <a:t>‹#›</a:t>
             </a:fld>
             <a:endParaRPr lang="zh-CN" altLang="en-US"/>
           </a:p>
@@ -676,6 +680,7 @@
               <a:rPr lang="zh-CN" altLang="en-US"/>
               <a:t>单击此处编辑母版标题样式</a:t>
             </a:r>
+            <a:endParaRPr lang="zh-CN" altLang="en-US"/>
           </a:p>
         </p:txBody>
       </p:sp>
@@ -699,6 +704,7 @@
               <a:rPr lang="zh-CN" altLang="en-US"/>
               <a:t>单击此处编辑母版文本样式</a:t>
             </a:r>
+            <a:endParaRPr lang="zh-CN" altLang="en-US"/>
           </a:p>
           <a:p>
             <a:pPr lvl="1"/>
@@ -706,6 +712,7 @@
               <a:rPr lang="zh-CN" altLang="en-US"/>
               <a:t>二级</a:t>
             </a:r>
+            <a:endParaRPr lang="zh-CN" altLang="en-US"/>
           </a:p>
           <a:p>
             <a:pPr lvl="2"/>
@@ -713,6 +720,7 @@
               <a:rPr lang="zh-CN" altLang="en-US"/>
               <a:t>三级</a:t>
             </a:r>
+            <a:endParaRPr lang="zh-CN" altLang="en-US"/>
           </a:p>
           <a:p>
             <a:pPr lvl="3"/>
@@ -720,6 +728,7 @@
               <a:rPr lang="zh-CN" altLang="en-US"/>
               <a:t>四级</a:t>
             </a:r>
+            <a:endParaRPr lang="zh-CN" altLang="en-US"/>
           </a:p>
           <a:p>
             <a:pPr lvl="4"/>
@@ -727,6 +736,7 @@
               <a:rPr lang="zh-CN" altLang="en-US"/>
               <a:t>五级</a:t>
             </a:r>
+            <a:endParaRPr lang="zh-CN" altLang="en-US"/>
           </a:p>
         </p:txBody>
       </p:sp>
@@ -747,7 +757,6 @@
           <a:p>
             <a:fld id="{185C90CD-8BCE-499A-9A82-CBD8DF79CB37}" type="datetimeFigureOut">
               <a:rPr lang="zh-CN" altLang="en-US" smtClean="0"/>
-              <a:t>2025/6/27</a:t>
             </a:fld>
             <a:endParaRPr lang="zh-CN" altLang="en-US"/>
           </a:p>
@@ -789,7 +798,6 @@
           <a:p>
             <a:fld id="{A90E3E4D-4E89-4EA1-9E4F-8FCD46C7D22B}" type="slidenum">
               <a:rPr lang="zh-CN" altLang="en-US" smtClean="0"/>
-              <a:t>‹#›</a:t>
             </a:fld>
             <a:endParaRPr lang="zh-CN" altLang="en-US"/>
           </a:p>
@@ -848,6 +856,7 @@
               <a:rPr lang="zh-CN" altLang="en-US"/>
               <a:t>单击此处编辑母版标题样式</a:t>
             </a:r>
+            <a:endParaRPr lang="zh-CN" altLang="en-US"/>
           </a:p>
         </p:txBody>
       </p:sp>
@@ -967,6 +976,7 @@
               <a:rPr lang="zh-CN" altLang="en-US"/>
               <a:t>单击此处编辑母版文本样式</a:t>
             </a:r>
+            <a:endParaRPr lang="zh-CN" altLang="en-US"/>
           </a:p>
         </p:txBody>
       </p:sp>
@@ -987,7 +997,6 @@
           <a:p>
             <a:fld id="{185C90CD-8BCE-499A-9A82-CBD8DF79CB37}" type="datetimeFigureOut">
               <a:rPr lang="zh-CN" altLang="en-US" smtClean="0"/>
-              <a:t>2025/6/27</a:t>
             </a:fld>
             <a:endParaRPr lang="zh-CN" altLang="en-US"/>
           </a:p>
@@ -1029,7 +1038,6 @@
           <a:p>
             <a:fld id="{A90E3E4D-4E89-4EA1-9E4F-8FCD46C7D22B}" type="slidenum">
               <a:rPr lang="zh-CN" altLang="en-US" smtClean="0"/>
-              <a:t>‹#›</a:t>
             </a:fld>
             <a:endParaRPr lang="zh-CN" altLang="en-US"/>
           </a:p>
@@ -1079,6 +1087,7 @@
               <a:rPr lang="zh-CN" altLang="en-US"/>
               <a:t>单击此处编辑母版标题样式</a:t>
             </a:r>
+            <a:endParaRPr lang="zh-CN" altLang="en-US"/>
           </a:p>
         </p:txBody>
       </p:sp>
@@ -1107,6 +1116,7 @@
               <a:rPr lang="zh-CN" altLang="en-US"/>
               <a:t>单击此处编辑母版文本样式</a:t>
             </a:r>
+            <a:endParaRPr lang="zh-CN" altLang="en-US"/>
           </a:p>
           <a:p>
             <a:pPr lvl="1"/>
@@ -1114,6 +1124,7 @@
               <a:rPr lang="zh-CN" altLang="en-US"/>
               <a:t>二级</a:t>
             </a:r>
+            <a:endParaRPr lang="zh-CN" altLang="en-US"/>
           </a:p>
           <a:p>
             <a:pPr lvl="2"/>
@@ -1121,6 +1132,7 @@
               <a:rPr lang="zh-CN" altLang="en-US"/>
               <a:t>三级</a:t>
             </a:r>
+            <a:endParaRPr lang="zh-CN" altLang="en-US"/>
           </a:p>
           <a:p>
             <a:pPr lvl="3"/>
@@ -1128,6 +1140,7 @@
               <a:rPr lang="zh-CN" altLang="en-US"/>
               <a:t>四级</a:t>
             </a:r>
+            <a:endParaRPr lang="zh-CN" altLang="en-US"/>
           </a:p>
           <a:p>
             <a:pPr lvl="4"/>
@@ -1135,6 +1148,7 @@
               <a:rPr lang="zh-CN" altLang="en-US"/>
               <a:t>五级</a:t>
             </a:r>
+            <a:endParaRPr lang="zh-CN" altLang="en-US"/>
           </a:p>
         </p:txBody>
       </p:sp>
@@ -1163,6 +1177,7 @@
               <a:rPr lang="zh-CN" altLang="en-US"/>
               <a:t>单击此处编辑母版文本样式</a:t>
             </a:r>
+            <a:endParaRPr lang="zh-CN" altLang="en-US"/>
           </a:p>
           <a:p>
             <a:pPr lvl="1"/>
@@ -1170,6 +1185,7 @@
               <a:rPr lang="zh-CN" altLang="en-US"/>
               <a:t>二级</a:t>
             </a:r>
+            <a:endParaRPr lang="zh-CN" altLang="en-US"/>
           </a:p>
           <a:p>
             <a:pPr lvl="2"/>
@@ -1177,6 +1193,7 @@
               <a:rPr lang="zh-CN" altLang="en-US"/>
               <a:t>三级</a:t>
             </a:r>
+            <a:endParaRPr lang="zh-CN" altLang="en-US"/>
           </a:p>
           <a:p>
             <a:pPr lvl="3"/>
@@ -1184,6 +1201,7 @@
               <a:rPr lang="zh-CN" altLang="en-US"/>
               <a:t>四级</a:t>
             </a:r>
+            <a:endParaRPr lang="zh-CN" altLang="en-US"/>
           </a:p>
           <a:p>
             <a:pPr lvl="4"/>
@@ -1191,6 +1209,7 @@
               <a:rPr lang="zh-CN" altLang="en-US"/>
               <a:t>五级</a:t>
             </a:r>
+            <a:endParaRPr lang="zh-CN" altLang="en-US"/>
           </a:p>
         </p:txBody>
       </p:sp>
@@ -1211,7 +1230,6 @@
           <a:p>
             <a:fld id="{185C90CD-8BCE-499A-9A82-CBD8DF79CB37}" type="datetimeFigureOut">
               <a:rPr lang="zh-CN" altLang="en-US" smtClean="0"/>
-              <a:t>2025/6/27</a:t>
             </a:fld>
             <a:endParaRPr lang="zh-CN" altLang="en-US"/>
           </a:p>
@@ -1253,7 +1271,6 @@
           <a:p>
             <a:fld id="{A90E3E4D-4E89-4EA1-9E4F-8FCD46C7D22B}" type="slidenum">
               <a:rPr lang="zh-CN" altLang="en-US" smtClean="0"/>
-              <a:t>‹#›</a:t>
             </a:fld>
             <a:endParaRPr lang="zh-CN" altLang="en-US"/>
           </a:p>
@@ -1308,6 +1325,7 @@
               <a:rPr lang="zh-CN" altLang="en-US"/>
               <a:t>单击此处编辑母版标题样式</a:t>
             </a:r>
+            <a:endParaRPr lang="zh-CN" altLang="en-US"/>
           </a:p>
         </p:txBody>
       </p:sp>
@@ -1373,6 +1391,7 @@
               <a:rPr lang="zh-CN" altLang="en-US"/>
               <a:t>单击此处编辑母版文本样式</a:t>
             </a:r>
+            <a:endParaRPr lang="zh-CN" altLang="en-US"/>
           </a:p>
         </p:txBody>
       </p:sp>
@@ -1401,6 +1420,7 @@
               <a:rPr lang="zh-CN" altLang="en-US"/>
               <a:t>单击此处编辑母版文本样式</a:t>
             </a:r>
+            <a:endParaRPr lang="zh-CN" altLang="en-US"/>
           </a:p>
           <a:p>
             <a:pPr lvl="1"/>
@@ -1408,6 +1428,7 @@
               <a:rPr lang="zh-CN" altLang="en-US"/>
               <a:t>二级</a:t>
             </a:r>
+            <a:endParaRPr lang="zh-CN" altLang="en-US"/>
           </a:p>
           <a:p>
             <a:pPr lvl="2"/>
@@ -1415,6 +1436,7 @@
               <a:rPr lang="zh-CN" altLang="en-US"/>
               <a:t>三级</a:t>
             </a:r>
+            <a:endParaRPr lang="zh-CN" altLang="en-US"/>
           </a:p>
           <a:p>
             <a:pPr lvl="3"/>
@@ -1422,6 +1444,7 @@
               <a:rPr lang="zh-CN" altLang="en-US"/>
               <a:t>四级</a:t>
             </a:r>
+            <a:endParaRPr lang="zh-CN" altLang="en-US"/>
           </a:p>
           <a:p>
             <a:pPr lvl="4"/>
@@ -1429,6 +1452,7 @@
               <a:rPr lang="zh-CN" altLang="en-US"/>
               <a:t>五级</a:t>
             </a:r>
+            <a:endParaRPr lang="zh-CN" altLang="en-US"/>
           </a:p>
         </p:txBody>
       </p:sp>
@@ -1494,6 +1518,7 @@
               <a:rPr lang="zh-CN" altLang="en-US"/>
               <a:t>单击此处编辑母版文本样式</a:t>
             </a:r>
+            <a:endParaRPr lang="zh-CN" altLang="en-US"/>
           </a:p>
         </p:txBody>
       </p:sp>
@@ -1522,6 +1547,7 @@
               <a:rPr lang="zh-CN" altLang="en-US"/>
               <a:t>单击此处编辑母版文本样式</a:t>
             </a:r>
+            <a:endParaRPr lang="zh-CN" altLang="en-US"/>
           </a:p>
           <a:p>
             <a:pPr lvl="1"/>
@@ -1529,6 +1555,7 @@
               <a:rPr lang="zh-CN" altLang="en-US"/>
               <a:t>二级</a:t>
             </a:r>
+            <a:endParaRPr lang="zh-CN" altLang="en-US"/>
           </a:p>
           <a:p>
             <a:pPr lvl="2"/>
@@ -1536,6 +1563,7 @@
               <a:rPr lang="zh-CN" altLang="en-US"/>
               <a:t>三级</a:t>
             </a:r>
+            <a:endParaRPr lang="zh-CN" altLang="en-US"/>
           </a:p>
           <a:p>
             <a:pPr lvl="3"/>
@@ -1543,6 +1571,7 @@
               <a:rPr lang="zh-CN" altLang="en-US"/>
               <a:t>四级</a:t>
             </a:r>
+            <a:endParaRPr lang="zh-CN" altLang="en-US"/>
           </a:p>
           <a:p>
             <a:pPr lvl="4"/>
@@ -1550,6 +1579,7 @@
               <a:rPr lang="zh-CN" altLang="en-US"/>
               <a:t>五级</a:t>
             </a:r>
+            <a:endParaRPr lang="zh-CN" altLang="en-US"/>
           </a:p>
         </p:txBody>
       </p:sp>
@@ -1570,7 +1600,6 @@
           <a:p>
             <a:fld id="{185C90CD-8BCE-499A-9A82-CBD8DF79CB37}" type="datetimeFigureOut">
               <a:rPr lang="zh-CN" altLang="en-US" smtClean="0"/>
-              <a:t>2025/6/27</a:t>
             </a:fld>
             <a:endParaRPr lang="zh-CN" altLang="en-US"/>
           </a:p>
@@ -1612,7 +1641,6 @@
           <a:p>
             <a:fld id="{A90E3E4D-4E89-4EA1-9E4F-8FCD46C7D22B}" type="slidenum">
               <a:rPr lang="zh-CN" altLang="en-US" smtClean="0"/>
-              <a:t>‹#›</a:t>
             </a:fld>
             <a:endParaRPr lang="zh-CN" altLang="en-US"/>
           </a:p>
@@ -1662,6 +1690,7 @@
               <a:rPr lang="zh-CN" altLang="en-US"/>
               <a:t>单击此处编辑母版标题样式</a:t>
             </a:r>
+            <a:endParaRPr lang="zh-CN" altLang="en-US"/>
           </a:p>
         </p:txBody>
       </p:sp>
@@ -1682,7 +1711,6 @@
           <a:p>
             <a:fld id="{185C90CD-8BCE-499A-9A82-CBD8DF79CB37}" type="datetimeFigureOut">
               <a:rPr lang="zh-CN" altLang="en-US" smtClean="0"/>
-              <a:t>2025/6/27</a:t>
             </a:fld>
             <a:endParaRPr lang="zh-CN" altLang="en-US"/>
           </a:p>
@@ -1724,7 +1752,6 @@
           <a:p>
             <a:fld id="{A90E3E4D-4E89-4EA1-9E4F-8FCD46C7D22B}" type="slidenum">
               <a:rPr lang="zh-CN" altLang="en-US" smtClean="0"/>
-              <a:t>‹#›</a:t>
             </a:fld>
             <a:endParaRPr lang="zh-CN" altLang="en-US"/>
           </a:p>
@@ -1772,7 +1799,6 @@
           <a:p>
             <a:fld id="{185C90CD-8BCE-499A-9A82-CBD8DF79CB37}" type="datetimeFigureOut">
               <a:rPr lang="zh-CN" altLang="en-US" smtClean="0"/>
-              <a:t>2025/6/27</a:t>
             </a:fld>
             <a:endParaRPr lang="zh-CN" altLang="en-US"/>
           </a:p>
@@ -1814,7 +1840,6 @@
           <a:p>
             <a:fld id="{A90E3E4D-4E89-4EA1-9E4F-8FCD46C7D22B}" type="slidenum">
               <a:rPr lang="zh-CN" altLang="en-US" smtClean="0"/>
-              <a:t>‹#›</a:t>
             </a:fld>
             <a:endParaRPr lang="zh-CN" altLang="en-US"/>
           </a:p>
@@ -1873,6 +1898,7 @@
               <a:rPr lang="zh-CN" altLang="en-US"/>
               <a:t>单击此处编辑母版标题样式</a:t>
             </a:r>
+            <a:endParaRPr lang="zh-CN" altLang="en-US"/>
           </a:p>
         </p:txBody>
       </p:sp>
@@ -1929,6 +1955,7 @@
               <a:rPr lang="zh-CN" altLang="en-US"/>
               <a:t>单击此处编辑母版文本样式</a:t>
             </a:r>
+            <a:endParaRPr lang="zh-CN" altLang="en-US"/>
           </a:p>
           <a:p>
             <a:pPr lvl="1"/>
@@ -1936,6 +1963,7 @@
               <a:rPr lang="zh-CN" altLang="en-US"/>
               <a:t>二级</a:t>
             </a:r>
+            <a:endParaRPr lang="zh-CN" altLang="en-US"/>
           </a:p>
           <a:p>
             <a:pPr lvl="2"/>
@@ -1943,6 +1971,7 @@
               <a:rPr lang="zh-CN" altLang="en-US"/>
               <a:t>三级</a:t>
             </a:r>
+            <a:endParaRPr lang="zh-CN" altLang="en-US"/>
           </a:p>
           <a:p>
             <a:pPr lvl="3"/>
@@ -1950,6 +1979,7 @@
               <a:rPr lang="zh-CN" altLang="en-US"/>
               <a:t>四级</a:t>
             </a:r>
+            <a:endParaRPr lang="zh-CN" altLang="en-US"/>
           </a:p>
           <a:p>
             <a:pPr lvl="4"/>
@@ -1957,6 +1987,7 @@
               <a:rPr lang="zh-CN" altLang="en-US"/>
               <a:t>五级</a:t>
             </a:r>
+            <a:endParaRPr lang="zh-CN" altLang="en-US"/>
           </a:p>
         </p:txBody>
       </p:sp>
@@ -2022,6 +2053,7 @@
               <a:rPr lang="zh-CN" altLang="en-US"/>
               <a:t>单击此处编辑母版文本样式</a:t>
             </a:r>
+            <a:endParaRPr lang="zh-CN" altLang="en-US"/>
           </a:p>
         </p:txBody>
       </p:sp>
@@ -2042,7 +2074,6 @@
           <a:p>
             <a:fld id="{185C90CD-8BCE-499A-9A82-CBD8DF79CB37}" type="datetimeFigureOut">
               <a:rPr lang="zh-CN" altLang="en-US" smtClean="0"/>
-              <a:t>2025/6/27</a:t>
             </a:fld>
             <a:endParaRPr lang="zh-CN" altLang="en-US"/>
           </a:p>
@@ -2084,7 +2115,6 @@
           <a:p>
             <a:fld id="{A90E3E4D-4E89-4EA1-9E4F-8FCD46C7D22B}" type="slidenum">
               <a:rPr lang="zh-CN" altLang="en-US" smtClean="0"/>
-              <a:t>‹#›</a:t>
             </a:fld>
             <a:endParaRPr lang="zh-CN" altLang="en-US"/>
           </a:p>
@@ -2143,6 +2173,7 @@
               <a:rPr lang="zh-CN" altLang="en-US"/>
               <a:t>单击此处编辑母版标题样式</a:t>
             </a:r>
+            <a:endParaRPr lang="zh-CN" altLang="en-US"/>
           </a:p>
         </p:txBody>
       </p:sp>
@@ -2269,6 +2300,7 @@
               <a:rPr lang="zh-CN" altLang="en-US"/>
               <a:t>单击此处编辑母版文本样式</a:t>
             </a:r>
+            <a:endParaRPr lang="zh-CN" altLang="en-US"/>
           </a:p>
         </p:txBody>
       </p:sp>
@@ -2289,7 +2321,6 @@
           <a:p>
             <a:fld id="{185C90CD-8BCE-499A-9A82-CBD8DF79CB37}" type="datetimeFigureOut">
               <a:rPr lang="zh-CN" altLang="en-US" smtClean="0"/>
-              <a:t>2025/6/27</a:t>
             </a:fld>
             <a:endParaRPr lang="zh-CN" altLang="en-US"/>
           </a:p>
@@ -2331,7 +2362,6 @@
           <a:p>
             <a:fld id="{A90E3E4D-4E89-4EA1-9E4F-8FCD46C7D22B}" type="slidenum">
               <a:rPr lang="zh-CN" altLang="en-US" smtClean="0"/>
-              <a:t>‹#›</a:t>
             </a:fld>
             <a:endParaRPr lang="zh-CN" altLang="en-US"/>
           </a:p>
@@ -2396,6 +2426,7 @@
               <a:rPr lang="zh-CN" altLang="en-US"/>
               <a:t>单击此处编辑母版标题样式</a:t>
             </a:r>
+            <a:endParaRPr lang="zh-CN" altLang="en-US"/>
           </a:p>
         </p:txBody>
       </p:sp>
@@ -2429,6 +2460,7 @@
               <a:rPr lang="zh-CN" altLang="en-US"/>
               <a:t>单击此处编辑母版文本样式</a:t>
             </a:r>
+            <a:endParaRPr lang="zh-CN" altLang="en-US"/>
           </a:p>
           <a:p>
             <a:pPr lvl="1"/>
@@ -2436,6 +2468,7 @@
               <a:rPr lang="zh-CN" altLang="en-US"/>
               <a:t>二级</a:t>
             </a:r>
+            <a:endParaRPr lang="zh-CN" altLang="en-US"/>
           </a:p>
           <a:p>
             <a:pPr lvl="2"/>
@@ -2443,6 +2476,7 @@
               <a:rPr lang="zh-CN" altLang="en-US"/>
               <a:t>三级</a:t>
             </a:r>
+            <a:endParaRPr lang="zh-CN" altLang="en-US"/>
           </a:p>
           <a:p>
             <a:pPr lvl="3"/>
@@ -2450,6 +2484,7 @@
               <a:rPr lang="zh-CN" altLang="en-US"/>
               <a:t>四级</a:t>
             </a:r>
+            <a:endParaRPr lang="zh-CN" altLang="en-US"/>
           </a:p>
           <a:p>
             <a:pPr lvl="4"/>
@@ -2457,6 +2492,7 @@
               <a:rPr lang="zh-CN" altLang="en-US"/>
               <a:t>五级</a:t>
             </a:r>
+            <a:endParaRPr lang="zh-CN" altLang="en-US"/>
           </a:p>
         </p:txBody>
       </p:sp>
@@ -2495,7 +2531,6 @@
           <a:p>
             <a:fld id="{185C90CD-8BCE-499A-9A82-CBD8DF79CB37}" type="datetimeFigureOut">
               <a:rPr lang="zh-CN" altLang="en-US" smtClean="0"/>
-              <a:t>2025/6/27</a:t>
             </a:fld>
             <a:endParaRPr lang="zh-CN" altLang="en-US"/>
           </a:p>
@@ -2573,7 +2608,6 @@
           <a:p>
             <a:fld id="{A90E3E4D-4E89-4EA1-9E4F-8FCD46C7D22B}" type="slidenum">
               <a:rPr lang="zh-CN" altLang="en-US" smtClean="0"/>
-              <a:t>‹#›</a:t>
             </a:fld>
             <a:endParaRPr lang="zh-CN" altLang="en-US"/>
           </a:p>
@@ -2914,6 +2948,7 @@
               <a:rPr lang="zh-CN" altLang="en-US" dirty="0"/>
               <a:t>选择、冒泡、插入排序</a:t>
             </a:r>
+            <a:endParaRPr lang="zh-CN" altLang="en-US" dirty="0"/>
           </a:p>
         </p:txBody>
       </p:sp>
@@ -2979,6 +3014,31 @@
           </a:p>
           <a:p>
             <a:endParaRPr lang="zh-CN" altLang="en-US" dirty="0"/>
+          </a:p>
+        </p:txBody>
+      </p:sp>
+      <p:sp>
+        <p:nvSpPr>
+          <p:cNvPr id="4" name="文本框 3"/>
+          <p:cNvSpPr txBox="1"/>
+          <p:nvPr/>
+        </p:nvSpPr>
+        <p:spPr>
+          <a:xfrm>
+            <a:off x="7345680" y="4906645"/>
+            <a:ext cx="4064000" cy="368300"/>
+          </a:xfrm>
+          <a:prstGeom prst="rect">
+            <a:avLst/>
+          </a:prstGeom>
+          <a:noFill/>
+        </p:spPr>
+        <p:txBody>
+          <a:bodyPr wrap="square" rtlCol="0">
+            <a:spAutoFit/>
+          </a:bodyPr>
+          <a:p>
+            <a:endParaRPr lang="zh-CN" altLang="en-US"/>
           </a:p>
         </p:txBody>
       </p:sp>
@@ -3053,6 +3113,7 @@
               <a:rPr lang="zh-CN" altLang="en-US" dirty="0"/>
               <a:t>每次都从“未排序”的部分中，找出那个“最小”或者“最大”的元素，然后把它放到“已排序”部分的末尾。</a:t>
             </a:r>
+            <a:endParaRPr lang="zh-CN" altLang="en-US" dirty="0"/>
           </a:p>
         </p:txBody>
       </p:sp>
@@ -3100,6 +3161,7 @@
               <a:rPr lang="zh-CN" altLang="en-US" dirty="0"/>
               <a:t>选择排序流程</a:t>
             </a:r>
+            <a:endParaRPr lang="zh-CN" altLang="en-US" dirty="0"/>
           </a:p>
         </p:txBody>
       </p:sp>
@@ -4908,6 +4970,7 @@
               <a:rPr lang="zh-CN" altLang="en-US" dirty="0"/>
               <a:t>反复遍历数组，比较相邻的两个元素，如果它们的顺序不对，就交换它们。每次遍历结束后，最大的（或最小的）那个元素就会被“冒泡”到它最终的位置。</a:t>
             </a:r>
+            <a:endParaRPr lang="zh-CN" altLang="en-US" dirty="0"/>
           </a:p>
         </p:txBody>
       </p:sp>
@@ -4955,6 +5018,7 @@
               <a:rPr lang="zh-CN" altLang="en-US" dirty="0"/>
               <a:t>冒泡排序流程</a:t>
             </a:r>
+            <a:endParaRPr lang="zh-CN" altLang="en-US" dirty="0"/>
           </a:p>
         </p:txBody>
       </p:sp>
@@ -5122,6 +5186,16 @@
               </a:rPr>
               <a:t> 目标是把最大的数（9）“冒泡”到最后。</a:t>
             </a:r>
+            <a:endParaRPr kumimoji="0" lang="zh-CN" altLang="zh-CN" sz="1400" b="0" i="0" u="none" strike="noStrike" cap="none" normalizeH="0" baseline="0" dirty="0">
+              <a:ln>
+                <a:noFill/>
+              </a:ln>
+              <a:solidFill>
+                <a:schemeClr val="tx1"/>
+              </a:solidFill>
+              <a:effectLst/>
+              <a:latin typeface="Arial" panose="020B0604020202020204" pitchFamily="34" charset="0"/>
+            </a:endParaRPr>
           </a:p>
           <a:p>
             <a:pPr marL="0" marR="0" lvl="0" indent="0" algn="l" defTabSz="914400" rtl="0" eaLnBrk="0" fontAlgn="base" latinLnBrk="0" hangingPunct="0">
@@ -7207,6 +7281,7 @@
               <a:rPr lang="zh-CN" altLang="en-US" dirty="0"/>
               <a:t>将数组分为“已排序”和“未排序”两部分。每次从“未排序”部分取出一个元素，然后将其“插入”到“已排序”部分的正确位置上，同时将已排序部分中比它大的元素都往后挪一个位置。</a:t>
             </a:r>
+            <a:endParaRPr lang="zh-CN" altLang="en-US" dirty="0"/>
           </a:p>
         </p:txBody>
       </p:sp>
@@ -7254,6 +7329,7 @@
               <a:rPr lang="zh-CN" altLang="en-US" dirty="0"/>
               <a:t>插入排序流程</a:t>
             </a:r>
+            <a:endParaRPr lang="zh-CN" altLang="en-US" dirty="0"/>
           </a:p>
         </p:txBody>
       </p:sp>
@@ -10047,6 +10123,80 @@
 </file>
 
 <file path=ppt/slides/slide8.xml><?xml version="1.0" encoding="utf-8"?>
+<p:sld xmlns:a="http://schemas.openxmlformats.org/drawingml/2006/main" xmlns:r="http://schemas.openxmlformats.org/officeDocument/2006/relationships" xmlns:p="http://schemas.openxmlformats.org/presentationml/2006/main">
+  <p:cSld>
+    <p:spTree>
+      <p:nvGrpSpPr>
+        <p:cNvPr id="1" name=""/>
+        <p:cNvGrpSpPr/>
+        <p:nvPr/>
+      </p:nvGrpSpPr>
+      <p:grpSpPr/>
+      <p:sp>
+        <p:nvSpPr>
+          <p:cNvPr id="2" name="标题 1"/>
+          <p:cNvSpPr>
+            <a:spLocks noGrp="1"/>
+          </p:cNvSpPr>
+          <p:nvPr>
+            <p:ph type="title"/>
+          </p:nvPr>
+        </p:nvSpPr>
+        <p:spPr/>
+        <p:txBody>
+          <a:bodyPr/>
+          <a:p>
+            <a:r>
+              <a:rPr lang="zh-CN" altLang="en-US"/>
+              <a:t>冒泡排序的</a:t>
+            </a:r>
+            <a:r>
+              <a:rPr lang="zh-CN" altLang="en-US"/>
+              <a:t>优化</a:t>
+            </a:r>
+            <a:endParaRPr lang="zh-CN" altLang="en-US"/>
+          </a:p>
+        </p:txBody>
+      </p:sp>
+      <p:sp>
+        <p:nvSpPr>
+          <p:cNvPr id="3" name="内容占位符 2"/>
+          <p:cNvSpPr>
+            <a:spLocks noGrp="1"/>
+          </p:cNvSpPr>
+          <p:nvPr>
+            <p:ph idx="1"/>
+          </p:nvPr>
+        </p:nvSpPr>
+        <p:spPr/>
+        <p:txBody>
+          <a:bodyPr/>
+          <a:p>
+            <a:r>
+              <a:rPr lang="zh-CN" altLang="en-US"/>
+              <a:t>在没有进行</a:t>
+            </a:r>
+            <a:r>
+              <a:rPr lang="zh-CN" altLang="en-US"/>
+              <a:t>冒泡操作的时候，我们可以提前截止，节省</a:t>
+            </a:r>
+            <a:r>
+              <a:rPr lang="zh-CN" altLang="en-US"/>
+              <a:t>时间</a:t>
+            </a:r>
+            <a:endParaRPr lang="zh-CN" altLang="en-US"/>
+          </a:p>
+        </p:txBody>
+      </p:sp>
+    </p:spTree>
+  </p:cSld>
+  <p:clrMapOvr>
+    <a:masterClrMapping/>
+  </p:clrMapOvr>
+</p:sld>
+</file>
+
+<file path=ppt/slides/slide9.xml><?xml version="1.0" encoding="utf-8"?>
 <p:sld xmlns:a="http://schemas.openxmlformats.org/drawingml/2006/main" xmlns:r="http://schemas.openxmlformats.org/officeDocument/2006/relationships" xmlns:p="http://schemas.openxmlformats.org/presentationml/2006/main">
   <p:cSld>
     <p:spTree>
@@ -10082,6 +10232,7 @@
               <a:rPr lang="zh-CN" altLang="en-US"/>
               <a:t>模板题</a:t>
             </a:r>
+            <a:endParaRPr lang="zh-CN" altLang="en-US"/>
           </a:p>
         </p:txBody>
       </p:sp>
@@ -10106,37 +10257,37 @@
             </a:r>
             <a:r>
               <a:rPr lang="en-US" altLang="zh-CN" dirty="0">
-                <a:hlinkClick r:id="rId2"/>
+                <a:hlinkClick r:id="rId1"/>
               </a:rPr>
               <a:t>P1177 【</a:t>
             </a:r>
             <a:r>
               <a:rPr lang="zh-CN" altLang="en-US" dirty="0">
-                <a:hlinkClick r:id="rId2"/>
+                <a:hlinkClick r:id="rId1"/>
               </a:rPr>
               <a:t>模板</a:t>
             </a:r>
             <a:r>
               <a:rPr lang="en-US" altLang="zh-CN" dirty="0">
-                <a:hlinkClick r:id="rId2"/>
+                <a:hlinkClick r:id="rId1"/>
               </a:rPr>
               <a:t>】</a:t>
             </a:r>
             <a:r>
               <a:rPr lang="zh-CN" altLang="en-US" dirty="0">
-                <a:hlinkClick r:id="rId2"/>
+                <a:hlinkClick r:id="rId1"/>
               </a:rPr>
               <a:t>排序 </a:t>
             </a:r>
             <a:r>
               <a:rPr lang="en-US" altLang="zh-CN" dirty="0">
-                <a:hlinkClick r:id="rId2"/>
+                <a:hlinkClick r:id="rId1"/>
               </a:rPr>
               <a:t>- </a:t>
             </a:r>
             <a:r>
               <a:rPr lang="zh-CN" altLang="en-US">
-                <a:hlinkClick r:id="rId2"/>
+                <a:hlinkClick r:id="rId1"/>
               </a:rPr>
               <a:t>洛谷</a:t>
             </a:r>
@@ -10428,7 +10579,6 @@
       </a:style>
     </a:lnDef>
   </a:objectDefaults>
-  <a:extraClrSchemeLst/>
   <a:extLst>
     <a:ext uri="{05A4C25C-085E-4340-85A3-A5531E510DB2}">
       <thm15:themeFamily xmlns:thm15="http://schemas.microsoft.com/office/thememl/2012/main" name="Office Theme" id="{62F939B6-93AF-4DB8-9C6B-D6C7DFDC589F}" vid="{4A3C46E8-61CC-4603-A589-7422A47A8E4A}"/>
